--- a/Презентация.pptx
+++ b/Презентация.pptx
@@ -3164,7 +3164,19 @@
           <a:p>
             <a:r>
               <a:rPr lang="ru-RU" dirty="0" smtClean="0"/>
-              <a:t>Что есть</a:t>
+              <a:t>Что </a:t>
+            </a:r>
+            <a:r>
+              <a:rPr lang="ru-RU" dirty="0" smtClean="0"/>
+              <a:t>есть</a:t>
+            </a:r>
+            <a:r>
+              <a:rPr lang="en-US" dirty="0" smtClean="0"/>
+              <a:t> </a:t>
+            </a:r>
+            <a:r>
+              <a:rPr lang="ru-RU" dirty="0" smtClean="0"/>
+              <a:t>в проекте</a:t>
             </a:r>
             <a:endParaRPr lang="ru-RU" dirty="0"/>
           </a:p>
@@ -3201,11 +3213,7 @@
             </a:pPr>
             <a:r>
               <a:rPr lang="ru-RU" dirty="0" smtClean="0"/>
-              <a:t>	Страница </a:t>
-            </a:r>
-            <a:r>
-              <a:rPr lang="ru-RU" dirty="0" smtClean="0"/>
-              <a:t>товара</a:t>
+              <a:t>	Страница товара</a:t>
             </a:r>
             <a:r>
               <a:rPr lang="en-US" dirty="0" smtClean="0"/>
@@ -3223,7 +3231,6 @@
               <a:rPr lang="ru-RU" dirty="0" smtClean="0"/>
               <a:t>в навигации</a:t>
             </a:r>
-            <a:endParaRPr lang="ru-RU" dirty="0" smtClean="0"/>
           </a:p>
           <a:p>
             <a:pPr>
@@ -3295,24 +3302,16 @@
             </a:r>
             <a:r>
               <a:rPr lang="ru-RU" dirty="0" smtClean="0"/>
-              <a:t> фото </a:t>
-            </a:r>
+              <a:t> фото товара</a:t>
+            </a:r>
+          </a:p>
+          <a:p>
+            <a:pPr>
+              <a:buNone/>
+            </a:pPr>
             <a:r>
               <a:rPr lang="ru-RU" dirty="0" smtClean="0"/>
-              <a:t>товара</a:t>
-            </a:r>
-          </a:p>
-          <a:p>
-            <a:pPr>
-              <a:buNone/>
-            </a:pPr>
-            <a:r>
-              <a:rPr lang="ru-RU" dirty="0" smtClean="0"/>
-              <a:t>	</a:t>
-            </a:r>
-            <a:r>
-              <a:rPr lang="ru-RU" dirty="0" smtClean="0"/>
-              <a:t>Подключенный </a:t>
+              <a:t>	Подключенный </a:t>
             </a:r>
             <a:r>
               <a:rPr lang="ru-RU" dirty="0" err="1" smtClean="0"/>
@@ -3328,7 +3327,6 @@
               <a:rPr lang="ru-RU" dirty="0" smtClean="0"/>
               <a:t>	Кнопки в описании товара</a:t>
             </a:r>
-            <a:endParaRPr lang="ru-RU" dirty="0" smtClean="0"/>
           </a:p>
           <a:p>
             <a:pPr>
